--- a/readme.pptx
+++ b/readme.pptx
@@ -9,10 +9,11 @@
     <p:sldId id="257" r:id="rId3"/>
     <p:sldId id="262" r:id="rId4"/>
     <p:sldId id="258" r:id="rId5"/>
-    <p:sldId id="259" r:id="rId6"/>
-    <p:sldId id="263" r:id="rId7"/>
-    <p:sldId id="260" r:id="rId8"/>
-    <p:sldId id="261" r:id="rId9"/>
+    <p:sldId id="264" r:id="rId6"/>
+    <p:sldId id="259" r:id="rId7"/>
+    <p:sldId id="263" r:id="rId8"/>
+    <p:sldId id="260" r:id="rId9"/>
+    <p:sldId id="261" r:id="rId10"/>
   </p:sldIdLst>
   <p:sldSz cx="12192000" cy="6858000"/>
   <p:notesSz cx="6858000" cy="9144000"/>
@@ -111,6 +112,11 @@
       </a:defRPr>
     </a:lvl9pPr>
   </p:defaultTextStyle>
+  <p:extLst>
+    <p:ext uri="{EFAFB233-063F-42B5-8137-9DF3F51BA10A}">
+      <p15:sldGuideLst xmlns:p15="http://schemas.microsoft.com/office/powerpoint/2012/main"/>
+    </p:ext>
+  </p:extLst>
 </p:presentation>
 </file>
 
@@ -159,7 +165,6 @@
               <a:rPr lang="ko-KR" altLang="en-US"/>
               <a:t>마스터 제목 스타일 편집</a:t>
             </a:r>
-            <a:endParaRPr lang="ko-KR" altLang="en-US"/>
           </a:p>
         </p:txBody>
       </p:sp>
@@ -224,7 +229,6 @@
               <a:rPr lang="ko-KR" altLang="en-US"/>
               <a:t>클릭하여 마스터 부제목 스타일 편집</a:t>
             </a:r>
-            <a:endParaRPr lang="ko-KR" altLang="en-US"/>
           </a:p>
         </p:txBody>
       </p:sp>
@@ -342,7 +346,6 @@
               <a:rPr lang="ko-KR" altLang="en-US"/>
               <a:t>마스터 제목 스타일 편집</a:t>
             </a:r>
-            <a:endParaRPr lang="ko-KR" altLang="en-US"/>
           </a:p>
         </p:txBody>
       </p:sp>
@@ -394,7 +397,6 @@
               <a:rPr lang="ko-KR" altLang="en-US"/>
               <a:t>다섯째 수준</a:t>
             </a:r>
-            <a:endParaRPr lang="ko-KR" altLang="en-US"/>
           </a:p>
         </p:txBody>
       </p:sp>
@@ -517,7 +519,6 @@
               <a:rPr lang="ko-KR" altLang="en-US"/>
               <a:t>마스터 제목 스타일 편집</a:t>
             </a:r>
-            <a:endParaRPr lang="ko-KR" altLang="en-US"/>
           </a:p>
         </p:txBody>
       </p:sp>
@@ -574,7 +575,6 @@
               <a:rPr lang="ko-KR" altLang="en-US"/>
               <a:t>다섯째 수준</a:t>
             </a:r>
-            <a:endParaRPr lang="ko-KR" altLang="en-US"/>
           </a:p>
         </p:txBody>
       </p:sp>
@@ -692,7 +692,6 @@
               <a:rPr lang="ko-KR" altLang="en-US"/>
               <a:t>마스터 제목 스타일 편집</a:t>
             </a:r>
-            <a:endParaRPr lang="ko-KR" altLang="en-US"/>
           </a:p>
         </p:txBody>
       </p:sp>
@@ -744,7 +743,6 @@
               <a:rPr lang="ko-KR" altLang="en-US"/>
               <a:t>다섯째 수준</a:t>
             </a:r>
-            <a:endParaRPr lang="ko-KR" altLang="en-US"/>
           </a:p>
         </p:txBody>
       </p:sp>
@@ -871,7 +869,6 @@
               <a:rPr lang="ko-KR" altLang="en-US"/>
               <a:t>마스터 제목 스타일 편집</a:t>
             </a:r>
-            <a:endParaRPr lang="ko-KR" altLang="en-US"/>
           </a:p>
         </p:txBody>
       </p:sp>
@@ -1108,7 +1105,6 @@
               <a:rPr lang="ko-KR" altLang="en-US"/>
               <a:t>마스터 제목 스타일 편집</a:t>
             </a:r>
-            <a:endParaRPr lang="ko-KR" altLang="en-US"/>
           </a:p>
         </p:txBody>
       </p:sp>
@@ -1165,7 +1161,6 @@
               <a:rPr lang="ko-KR" altLang="en-US"/>
               <a:t>다섯째 수준</a:t>
             </a:r>
-            <a:endParaRPr lang="ko-KR" altLang="en-US"/>
           </a:p>
         </p:txBody>
       </p:sp>
@@ -1222,7 +1217,6 @@
               <a:rPr lang="ko-KR" altLang="en-US"/>
               <a:t>다섯째 수준</a:t>
             </a:r>
-            <a:endParaRPr lang="ko-KR" altLang="en-US"/>
           </a:p>
         </p:txBody>
       </p:sp>
@@ -1345,7 +1339,6 @@
               <a:rPr lang="ko-KR" altLang="en-US"/>
               <a:t>마스터 제목 스타일 편집</a:t>
             </a:r>
-            <a:endParaRPr lang="ko-KR" altLang="en-US"/>
           </a:p>
         </p:txBody>
       </p:sp>
@@ -1467,7 +1460,6 @@
               <a:rPr lang="ko-KR" altLang="en-US"/>
               <a:t>다섯째 수준</a:t>
             </a:r>
-            <a:endParaRPr lang="ko-KR" altLang="en-US"/>
           </a:p>
         </p:txBody>
       </p:sp>
@@ -1589,7 +1581,6 @@
               <a:rPr lang="ko-KR" altLang="en-US"/>
               <a:t>다섯째 수준</a:t>
             </a:r>
-            <a:endParaRPr lang="ko-KR" altLang="en-US"/>
           </a:p>
         </p:txBody>
       </p:sp>
@@ -1707,7 +1698,6 @@
               <a:rPr lang="ko-KR" altLang="en-US"/>
               <a:t>마스터 제목 스타일 편집</a:t>
             </a:r>
-            <a:endParaRPr lang="ko-KR" altLang="en-US"/>
           </a:p>
         </p:txBody>
       </p:sp>
@@ -1929,7 +1919,6 @@
               <a:rPr lang="ko-KR" altLang="en-US"/>
               <a:t>마스터 제목 스타일 편집</a:t>
             </a:r>
-            <a:endParaRPr lang="ko-KR" altLang="en-US"/>
           </a:p>
         </p:txBody>
       </p:sp>
@@ -2014,7 +2003,6 @@
               <a:rPr lang="ko-KR" altLang="en-US"/>
               <a:t>다섯째 수준</a:t>
             </a:r>
-            <a:endParaRPr lang="ko-KR" altLang="en-US"/>
           </a:p>
         </p:txBody>
       </p:sp>
@@ -2206,7 +2194,6 @@
               <a:rPr lang="ko-KR" altLang="en-US"/>
               <a:t>마스터 제목 스타일 편집</a:t>
             </a:r>
-            <a:endParaRPr lang="ko-KR" altLang="en-US"/>
           </a:p>
         </p:txBody>
       </p:sp>
@@ -2465,7 +2452,6 @@
               <a:rPr lang="ko-KR" altLang="en-US"/>
               <a:t>마스터 제목 스타일 편집</a:t>
             </a:r>
-            <a:endParaRPr lang="ko-KR" altLang="en-US"/>
           </a:p>
         </p:txBody>
       </p:sp>
@@ -2527,7 +2513,6 @@
               <a:rPr lang="ko-KR" altLang="en-US"/>
               <a:t>다섯째 수준</a:t>
             </a:r>
-            <a:endParaRPr lang="ko-KR" altLang="en-US"/>
           </a:p>
         </p:txBody>
       </p:sp>
@@ -3474,6 +3459,131 @@
           <a:p>
             <a:r>
               <a:rPr lang="ko-KR" altLang="en-US" dirty="0"/>
+              <a:t>해상도에 따른 자동 스케일</a:t>
+            </a:r>
+          </a:p>
+        </p:txBody>
+      </p:sp>
+      <p:sp>
+        <p:nvSpPr>
+          <p:cNvPr id="3" name="내용 개체 틀 2"/>
+          <p:cNvSpPr>
+            <a:spLocks noGrp="1"/>
+          </p:cNvSpPr>
+          <p:nvPr>
+            <p:ph idx="1"/>
+          </p:nvPr>
+        </p:nvSpPr>
+        <p:spPr>
+          <a:xfrm>
+            <a:off x="838200" y="1825625"/>
+            <a:ext cx="4159102" cy="4351338"/>
+          </a:xfrm>
+        </p:spPr>
+        <p:txBody>
+          <a:bodyPr/>
+          <a:lstStyle/>
+          <a:p>
+            <a:r>
+              <a:rPr lang="ko-KR" altLang="en-US" dirty="0"/>
+              <a:t>가로 세로를 각각 </a:t>
+            </a:r>
+            <a:r>
+              <a:rPr lang="en-US" altLang="ko-KR" dirty="0"/>
+              <a:t>0~1.0 </a:t>
+            </a:r>
+            <a:r>
+              <a:rPr lang="ko-KR" altLang="en-US" dirty="0"/>
+              <a:t>으로 잡고 그 비율을 다시 절대 좌표로 변환하는 </a:t>
+            </a:r>
+            <a:r>
+              <a:rPr lang="ko-KR" altLang="en-US" dirty="0" err="1"/>
+              <a:t>메소드를</a:t>
+            </a:r>
+            <a:r>
+              <a:rPr lang="ko-KR" altLang="en-US" dirty="0"/>
+              <a:t> 구현하여 여러 해상도에도 잘 작동되도록 구현</a:t>
+            </a:r>
+          </a:p>
+        </p:txBody>
+      </p:sp>
+      <p:pic>
+        <p:nvPicPr>
+          <p:cNvPr id="4" name="그림 3"/>
+          <p:cNvPicPr>
+            <a:picLocks noChangeAspect="1"/>
+          </p:cNvPicPr>
+          <p:nvPr/>
+        </p:nvPicPr>
+        <p:blipFill>
+          <a:blip r:embed="rId2">
+            <a:extLst>
+              <a:ext uri="{28A0092B-C50C-407E-A947-70E740481C1C}">
+                <a14:useLocalDpi xmlns:a14="http://schemas.microsoft.com/office/drawing/2010/main" val="0"/>
+              </a:ext>
+            </a:extLst>
+          </a:blip>
+          <a:stretch>
+            <a:fillRect/>
+          </a:stretch>
+        </p:blipFill>
+        <p:spPr>
+          <a:xfrm>
+            <a:off x="4901609" y="1825624"/>
+            <a:ext cx="7105308" cy="3469389"/>
+          </a:xfrm>
+          <a:prstGeom prst="rect">
+            <a:avLst/>
+          </a:prstGeom>
+        </p:spPr>
+      </p:pic>
+    </p:spTree>
+    <p:extLst>
+      <p:ext uri="{BB962C8B-B14F-4D97-AF65-F5344CB8AC3E}">
+        <p14:creationId xmlns:p14="http://schemas.microsoft.com/office/powerpoint/2010/main" val="611260888"/>
+      </p:ext>
+    </p:extLst>
+  </p:cSld>
+  <p:clrMapOvr>
+    <a:masterClrMapping/>
+  </p:clrMapOvr>
+</p:sld>
+</file>
+
+<file path=ppt/slides/slide6.xml><?xml version="1.0" encoding="utf-8"?>
+<p:sld xmlns:a="http://schemas.openxmlformats.org/drawingml/2006/main" xmlns:r="http://schemas.openxmlformats.org/officeDocument/2006/relationships" xmlns:p="http://schemas.openxmlformats.org/presentationml/2006/main">
+  <p:cSld>
+    <p:spTree>
+      <p:nvGrpSpPr>
+        <p:cNvPr id="1" name=""/>
+        <p:cNvGrpSpPr/>
+        <p:nvPr/>
+      </p:nvGrpSpPr>
+      <p:grpSpPr>
+        <a:xfrm>
+          <a:off x="0" y="0"/>
+          <a:ext cx="0" cy="0"/>
+          <a:chOff x="0" y="0"/>
+          <a:chExt cx="0" cy="0"/>
+        </a:xfrm>
+      </p:grpSpPr>
+      <p:sp>
+        <p:nvSpPr>
+          <p:cNvPr id="2" name="제목 1"/>
+          <p:cNvSpPr>
+            <a:spLocks noGrp="1"/>
+          </p:cNvSpPr>
+          <p:nvPr>
+            <p:ph type="title"/>
+          </p:nvPr>
+        </p:nvSpPr>
+        <p:spPr/>
+        <p:txBody>
+          <a:bodyPr/>
+          <a:lstStyle/>
+          <a:p>
+            <a:r>
+              <a:rPr lang="ko-KR" altLang="en-US" dirty="0"/>
               <a:t>마켓 업로드</a:t>
             </a:r>
           </a:p>
@@ -3568,7 +3678,7 @@
 </p:sld>
 </file>
 
-<file path=ppt/slides/slide6.xml><?xml version="1.0" encoding="utf-8"?>
+<file path=ppt/slides/slide7.xml><?xml version="1.0" encoding="utf-8"?>
 <p:sld xmlns:a="http://schemas.openxmlformats.org/drawingml/2006/main" xmlns:r="http://schemas.openxmlformats.org/officeDocument/2006/relationships" xmlns:p="http://schemas.openxmlformats.org/presentationml/2006/main">
   <p:cSld>
     <p:spTree>
@@ -3646,7 +3756,7 @@
 </p:sld>
 </file>
 
-<file path=ppt/slides/slide7.xml><?xml version="1.0" encoding="utf-8"?>
+<file path=ppt/slides/slide8.xml><?xml version="1.0" encoding="utf-8"?>
 <p:sld xmlns:a="http://schemas.openxmlformats.org/drawingml/2006/main" xmlns:r="http://schemas.openxmlformats.org/officeDocument/2006/relationships" xmlns:p="http://schemas.openxmlformats.org/presentationml/2006/main">
   <p:cSld>
     <p:spTree>
@@ -3725,7 +3835,7 @@
 </p:sld>
 </file>
 
-<file path=ppt/slides/slide8.xml><?xml version="1.0" encoding="utf-8"?>
+<file path=ppt/slides/slide9.xml><?xml version="1.0" encoding="utf-8"?>
 <p:sld xmlns:a="http://schemas.openxmlformats.org/drawingml/2006/main" xmlns:r="http://schemas.openxmlformats.org/officeDocument/2006/relationships" xmlns:p="http://schemas.openxmlformats.org/presentationml/2006/main">
   <p:cSld>
     <p:spTree>
